--- a/src/market/templates/Feature MARKET-1 Салйд подсказка по блокам базового шаблона.pptx
+++ b/src/market/templates/Feature MARKET-1 Салйд подсказка по блокам базового шаблона.pptx
@@ -107,6 +107,11 @@
       </a:defRPr>
     </a:lvl9pPr>
   </p:defaultTextStyle>
+  <p:extLst>
+    <p:ext uri="{EFAFB233-063F-42B5-8137-9DF3F51BA10A}">
+      <p15:sldGuideLst xmlns:p15="http://schemas.microsoft.com/office/powerpoint/2012/main"/>
+    </p:ext>
+  </p:extLst>
 </p:presentation>
 </file>
 
@@ -192,7 +197,7 @@
           <a:p>
             <a:fld id="{AA9E6CEF-A92C-4070-8B1B-F0821FCF998E}" type="datetimeFigureOut">
               <a:rPr lang="ru-RU" smtClean="0"/>
-              <a:t>13.10.2023</a:t>
+              <a:t>14.10.2023</a:t>
             </a:fld>
             <a:endParaRPr lang="ru-RU"/>
           </a:p>
@@ -601,7 +606,29 @@
             </a:br>
             <a:r>
               <a:rPr lang="en-US" dirty="0"/>
-              <a:t>    </a:t>
+              <a:t>    	{% block </a:t>
+            </a:r>
+            <a:r>
+              <a:rPr lang="en-US" dirty="0" err="1"/>
+              <a:t>additional_link_script</a:t>
+            </a:r>
+            <a:r>
+              <a:rPr lang="en-US" dirty="0"/>
+              <a:t>%}</a:t>
+            </a:r>
+          </a:p>
+          <a:p>
+            <a:r>
+              <a:rPr lang="en-US" dirty="0"/>
+              <a:t>	{% </a:t>
+            </a:r>
+            <a:r>
+              <a:rPr lang="en-US" dirty="0" err="1"/>
+              <a:t>endblock</a:t>
+            </a:r>
+            <a:r>
+              <a:rPr lang="en-US" dirty="0"/>
+              <a:t> %}</a:t>
             </a:r>
             <a:br>
               <a:rPr lang="en-US" dirty="0"/>
@@ -1158,7 +1185,7 @@
           <a:p>
             <a:fld id="{DF8EAA9F-0EC3-473C-ACCD-2AE11CED04EA}" type="datetimeFigureOut">
               <a:rPr lang="ru-RU" smtClean="0"/>
-              <a:t>13.10.2023</a:t>
+              <a:t>14.10.2023</a:t>
             </a:fld>
             <a:endParaRPr lang="ru-RU"/>
           </a:p>
@@ -1358,7 +1385,7 @@
           <a:p>
             <a:fld id="{DF8EAA9F-0EC3-473C-ACCD-2AE11CED04EA}" type="datetimeFigureOut">
               <a:rPr lang="ru-RU" smtClean="0"/>
-              <a:t>13.10.2023</a:t>
+              <a:t>14.10.2023</a:t>
             </a:fld>
             <a:endParaRPr lang="ru-RU"/>
           </a:p>
@@ -1568,7 +1595,7 @@
           <a:p>
             <a:fld id="{DF8EAA9F-0EC3-473C-ACCD-2AE11CED04EA}" type="datetimeFigureOut">
               <a:rPr lang="ru-RU" smtClean="0"/>
-              <a:t>13.10.2023</a:t>
+              <a:t>14.10.2023</a:t>
             </a:fld>
             <a:endParaRPr lang="ru-RU"/>
           </a:p>
@@ -1768,7 +1795,7 @@
           <a:p>
             <a:fld id="{DF8EAA9F-0EC3-473C-ACCD-2AE11CED04EA}" type="datetimeFigureOut">
               <a:rPr lang="ru-RU" smtClean="0"/>
-              <a:t>13.10.2023</a:t>
+              <a:t>14.10.2023</a:t>
             </a:fld>
             <a:endParaRPr lang="ru-RU"/>
           </a:p>
@@ -2044,7 +2071,7 @@
           <a:p>
             <a:fld id="{DF8EAA9F-0EC3-473C-ACCD-2AE11CED04EA}" type="datetimeFigureOut">
               <a:rPr lang="ru-RU" smtClean="0"/>
-              <a:t>13.10.2023</a:t>
+              <a:t>14.10.2023</a:t>
             </a:fld>
             <a:endParaRPr lang="ru-RU"/>
           </a:p>
@@ -2312,7 +2339,7 @@
           <a:p>
             <a:fld id="{DF8EAA9F-0EC3-473C-ACCD-2AE11CED04EA}" type="datetimeFigureOut">
               <a:rPr lang="ru-RU" smtClean="0"/>
-              <a:t>13.10.2023</a:t>
+              <a:t>14.10.2023</a:t>
             </a:fld>
             <a:endParaRPr lang="ru-RU"/>
           </a:p>
@@ -2727,7 +2754,7 @@
           <a:p>
             <a:fld id="{DF8EAA9F-0EC3-473C-ACCD-2AE11CED04EA}" type="datetimeFigureOut">
               <a:rPr lang="ru-RU" smtClean="0"/>
-              <a:t>13.10.2023</a:t>
+              <a:t>14.10.2023</a:t>
             </a:fld>
             <a:endParaRPr lang="ru-RU"/>
           </a:p>
@@ -2869,7 +2896,7 @@
           <a:p>
             <a:fld id="{DF8EAA9F-0EC3-473C-ACCD-2AE11CED04EA}" type="datetimeFigureOut">
               <a:rPr lang="ru-RU" smtClean="0"/>
-              <a:t>13.10.2023</a:t>
+              <a:t>14.10.2023</a:t>
             </a:fld>
             <a:endParaRPr lang="ru-RU"/>
           </a:p>
@@ -2982,7 +3009,7 @@
           <a:p>
             <a:fld id="{DF8EAA9F-0EC3-473C-ACCD-2AE11CED04EA}" type="datetimeFigureOut">
               <a:rPr lang="ru-RU" smtClean="0"/>
-              <a:t>13.10.2023</a:t>
+              <a:t>14.10.2023</a:t>
             </a:fld>
             <a:endParaRPr lang="ru-RU"/>
           </a:p>
@@ -3295,7 +3322,7 @@
           <a:p>
             <a:fld id="{DF8EAA9F-0EC3-473C-ACCD-2AE11CED04EA}" type="datetimeFigureOut">
               <a:rPr lang="ru-RU" smtClean="0"/>
-              <a:t>13.10.2023</a:t>
+              <a:t>14.10.2023</a:t>
             </a:fld>
             <a:endParaRPr lang="ru-RU"/>
           </a:p>
@@ -3584,7 +3611,7 @@
           <a:p>
             <a:fld id="{DF8EAA9F-0EC3-473C-ACCD-2AE11CED04EA}" type="datetimeFigureOut">
               <a:rPr lang="ru-RU" smtClean="0"/>
-              <a:t>13.10.2023</a:t>
+              <a:t>14.10.2023</a:t>
             </a:fld>
             <a:endParaRPr lang="ru-RU"/>
           </a:p>
@@ -3827,7 +3854,7 @@
           <a:p>
             <a:fld id="{DF8EAA9F-0EC3-473C-ACCD-2AE11CED04EA}" type="datetimeFigureOut">
               <a:rPr lang="ru-RU" smtClean="0"/>
-              <a:t>13.10.2023</a:t>
+              <a:t>14.10.2023</a:t>
             </a:fld>
             <a:endParaRPr lang="ru-RU"/>
           </a:p>
@@ -4740,7 +4767,7 @@
         </p:nvSpPr>
         <p:spPr>
           <a:xfrm flipH="1">
-            <a:off x="259145" y="1303708"/>
+            <a:off x="3738326" y="958865"/>
             <a:ext cx="2616197" cy="268521"/>
           </a:xfrm>
           <a:prstGeom prst="borderCallout1">
@@ -5147,6 +5174,505 @@
       </p:sp>
       <p:sp>
         <p:nvSpPr>
+          <p:cNvPr id="33" name="Oval 32">
+            <a:extLst>
+              <a:ext uri="{FF2B5EF4-FFF2-40B4-BE49-F238E27FC236}">
+                <a16:creationId xmlns:a16="http://schemas.microsoft.com/office/drawing/2014/main" id="{2149D336-71BB-181C-0B5E-2597071E1A3E}"/>
+              </a:ext>
+            </a:extLst>
+          </p:cNvPr>
+          <p:cNvSpPr/>
+          <p:nvPr/>
+        </p:nvSpPr>
+        <p:spPr>
+          <a:xfrm>
+            <a:off x="65173" y="1691995"/>
+            <a:ext cx="260626" cy="268521"/>
+          </a:xfrm>
+          <a:prstGeom prst="ellipse">
+            <a:avLst/>
+          </a:prstGeom>
+        </p:spPr>
+        <p:style>
+          <a:lnRef idx="2">
+            <a:schemeClr val="accent1"/>
+          </a:lnRef>
+          <a:fillRef idx="1">
+            <a:schemeClr val="lt1"/>
+          </a:fillRef>
+          <a:effectRef idx="0">
+            <a:schemeClr val="accent1"/>
+          </a:effectRef>
+          <a:fontRef idx="minor">
+            <a:schemeClr val="dk1"/>
+          </a:fontRef>
+        </p:style>
+        <p:txBody>
+          <a:bodyPr rtlCol="0" anchor="ctr"/>
+          <a:lstStyle/>
+          <a:p>
+            <a:pPr algn="ctr"/>
+            <a:r>
+              <a:rPr lang="ru-RU" dirty="0"/>
+              <a:t>4</a:t>
+            </a:r>
+          </a:p>
+        </p:txBody>
+      </p:sp>
+      <p:sp>
+        <p:nvSpPr>
+          <p:cNvPr id="34" name="Oval 33">
+            <a:extLst>
+              <a:ext uri="{FF2B5EF4-FFF2-40B4-BE49-F238E27FC236}">
+                <a16:creationId xmlns:a16="http://schemas.microsoft.com/office/drawing/2014/main" id="{D9B2742B-AE12-F84C-172D-F14A96958F7A}"/>
+              </a:ext>
+            </a:extLst>
+          </p:cNvPr>
+          <p:cNvSpPr/>
+          <p:nvPr/>
+        </p:nvSpPr>
+        <p:spPr>
+          <a:xfrm>
+            <a:off x="65173" y="2074782"/>
+            <a:ext cx="260626" cy="268521"/>
+          </a:xfrm>
+          <a:prstGeom prst="ellipse">
+            <a:avLst/>
+          </a:prstGeom>
+        </p:spPr>
+        <p:style>
+          <a:lnRef idx="2">
+            <a:schemeClr val="accent1"/>
+          </a:lnRef>
+          <a:fillRef idx="1">
+            <a:schemeClr val="lt1"/>
+          </a:fillRef>
+          <a:effectRef idx="0">
+            <a:schemeClr val="accent1"/>
+          </a:effectRef>
+          <a:fontRef idx="minor">
+            <a:schemeClr val="dk1"/>
+          </a:fontRef>
+        </p:style>
+        <p:txBody>
+          <a:bodyPr rtlCol="0" anchor="ctr"/>
+          <a:lstStyle/>
+          <a:p>
+            <a:pPr algn="ctr"/>
+            <a:r>
+              <a:rPr lang="ru-RU" dirty="0"/>
+              <a:t>5</a:t>
+            </a:r>
+          </a:p>
+        </p:txBody>
+      </p:sp>
+      <p:sp>
+        <p:nvSpPr>
+          <p:cNvPr id="35" name="Oval 34">
+            <a:extLst>
+              <a:ext uri="{FF2B5EF4-FFF2-40B4-BE49-F238E27FC236}">
+                <a16:creationId xmlns:a16="http://schemas.microsoft.com/office/drawing/2014/main" id="{D27A4210-3B74-27BB-EB33-473E834298C1}"/>
+              </a:ext>
+            </a:extLst>
+          </p:cNvPr>
+          <p:cNvSpPr/>
+          <p:nvPr/>
+        </p:nvSpPr>
+        <p:spPr>
+          <a:xfrm>
+            <a:off x="5323760" y="1663137"/>
+            <a:ext cx="260626" cy="268521"/>
+          </a:xfrm>
+          <a:prstGeom prst="ellipse">
+            <a:avLst/>
+          </a:prstGeom>
+        </p:spPr>
+        <p:style>
+          <a:lnRef idx="2">
+            <a:schemeClr val="accent1"/>
+          </a:lnRef>
+          <a:fillRef idx="1">
+            <a:schemeClr val="lt1"/>
+          </a:fillRef>
+          <a:effectRef idx="0">
+            <a:schemeClr val="accent1"/>
+          </a:effectRef>
+          <a:fontRef idx="minor">
+            <a:schemeClr val="dk1"/>
+          </a:fontRef>
+        </p:style>
+        <p:txBody>
+          <a:bodyPr rtlCol="0" anchor="ctr"/>
+          <a:lstStyle/>
+          <a:p>
+            <a:pPr algn="ctr"/>
+            <a:r>
+              <a:rPr lang="ru-RU" dirty="0"/>
+              <a:t>3</a:t>
+            </a:r>
+          </a:p>
+        </p:txBody>
+      </p:sp>
+      <p:sp>
+        <p:nvSpPr>
+          <p:cNvPr id="36" name="Oval 35">
+            <a:extLst>
+              <a:ext uri="{FF2B5EF4-FFF2-40B4-BE49-F238E27FC236}">
+                <a16:creationId xmlns:a16="http://schemas.microsoft.com/office/drawing/2014/main" id="{B8EA831C-7380-5579-EFD1-C737E5FBE5FC}"/>
+              </a:ext>
+            </a:extLst>
+          </p:cNvPr>
+          <p:cNvSpPr/>
+          <p:nvPr/>
+        </p:nvSpPr>
+        <p:spPr>
+          <a:xfrm>
+            <a:off x="68109" y="3603197"/>
+            <a:ext cx="260626" cy="268521"/>
+          </a:xfrm>
+          <a:prstGeom prst="ellipse">
+            <a:avLst/>
+          </a:prstGeom>
+        </p:spPr>
+        <p:style>
+          <a:lnRef idx="2">
+            <a:schemeClr val="accent1"/>
+          </a:lnRef>
+          <a:fillRef idx="1">
+            <a:schemeClr val="lt1"/>
+          </a:fillRef>
+          <a:effectRef idx="0">
+            <a:schemeClr val="accent1"/>
+          </a:effectRef>
+          <a:fontRef idx="minor">
+            <a:schemeClr val="dk1"/>
+          </a:fontRef>
+        </p:style>
+        <p:txBody>
+          <a:bodyPr rtlCol="0" anchor="ctr"/>
+          <a:lstStyle/>
+          <a:p>
+            <a:pPr algn="ctr"/>
+            <a:r>
+              <a:rPr lang="ru-RU" dirty="0"/>
+              <a:t>6</a:t>
+            </a:r>
+          </a:p>
+        </p:txBody>
+      </p:sp>
+      <p:sp>
+        <p:nvSpPr>
+          <p:cNvPr id="37" name="Oval 36">
+            <a:extLst>
+              <a:ext uri="{FF2B5EF4-FFF2-40B4-BE49-F238E27FC236}">
+                <a16:creationId xmlns:a16="http://schemas.microsoft.com/office/drawing/2014/main" id="{99824D71-A7DB-A5CC-6743-23B1930D0B98}"/>
+              </a:ext>
+            </a:extLst>
+          </p:cNvPr>
+          <p:cNvSpPr/>
+          <p:nvPr/>
+        </p:nvSpPr>
+        <p:spPr>
+          <a:xfrm>
+            <a:off x="65173" y="5453163"/>
+            <a:ext cx="260626" cy="268521"/>
+          </a:xfrm>
+          <a:prstGeom prst="ellipse">
+            <a:avLst/>
+          </a:prstGeom>
+        </p:spPr>
+        <p:style>
+          <a:lnRef idx="2">
+            <a:schemeClr val="accent1"/>
+          </a:lnRef>
+          <a:fillRef idx="1">
+            <a:schemeClr val="lt1"/>
+          </a:fillRef>
+          <a:effectRef idx="0">
+            <a:schemeClr val="accent1"/>
+          </a:effectRef>
+          <a:fontRef idx="minor">
+            <a:schemeClr val="dk1"/>
+          </a:fontRef>
+        </p:style>
+        <p:txBody>
+          <a:bodyPr rtlCol="0" anchor="ctr"/>
+          <a:lstStyle/>
+          <a:p>
+            <a:pPr algn="ctr"/>
+            <a:r>
+              <a:rPr lang="ru-RU" dirty="0"/>
+              <a:t>7</a:t>
+            </a:r>
+          </a:p>
+        </p:txBody>
+      </p:sp>
+      <p:sp>
+        <p:nvSpPr>
+          <p:cNvPr id="38" name="Rectangle: Rounded Corners 37">
+            <a:extLst>
+              <a:ext uri="{FF2B5EF4-FFF2-40B4-BE49-F238E27FC236}">
+                <a16:creationId xmlns:a16="http://schemas.microsoft.com/office/drawing/2014/main" id="{449B5164-B188-8164-8A9C-88AAF720435C}"/>
+              </a:ext>
+            </a:extLst>
+          </p:cNvPr>
+          <p:cNvSpPr/>
+          <p:nvPr/>
+        </p:nvSpPr>
+        <p:spPr>
+          <a:xfrm>
+            <a:off x="93132" y="6252822"/>
+            <a:ext cx="12042760" cy="538624"/>
+          </a:xfrm>
+          <a:prstGeom prst="roundRect">
+            <a:avLst/>
+          </a:prstGeom>
+        </p:spPr>
+        <p:style>
+          <a:lnRef idx="1">
+            <a:schemeClr val="accent1"/>
+          </a:lnRef>
+          <a:fillRef idx="2">
+            <a:schemeClr val="accent1"/>
+          </a:fillRef>
+          <a:effectRef idx="1">
+            <a:schemeClr val="accent1"/>
+          </a:effectRef>
+          <a:fontRef idx="minor">
+            <a:schemeClr val="dk1"/>
+          </a:fontRef>
+        </p:style>
+        <p:txBody>
+          <a:bodyPr rtlCol="0" anchor="ctr"/>
+          <a:lstStyle/>
+          <a:p>
+            <a:pPr algn="ctr"/>
+            <a:r>
+              <a:rPr lang="ru-RU" dirty="0"/>
+              <a:t>Объявление в темплейте блока означает затирание (перезапись) его в базовом (родительском) шаблоне. </a:t>
+            </a:r>
+          </a:p>
+          <a:p>
+            <a:pPr algn="ctr"/>
+            <a:r>
+              <a:rPr lang="ru-RU" dirty="0"/>
+              <a:t>Пример объявления блока </a:t>
+            </a:r>
+            <a:r>
+              <a:rPr lang="en-US" sz="1800" b="1" dirty="0"/>
+              <a:t>main_header </a:t>
+            </a:r>
+            <a:r>
+              <a:rPr lang="ru-RU" dirty="0"/>
+              <a:t>для страниц: </a:t>
+            </a:r>
+            <a:r>
+              <a:rPr lang="en-US" dirty="0"/>
+              <a:t>login.html</a:t>
+            </a:r>
+            <a:r>
+              <a:rPr lang="ru-RU" dirty="0"/>
+              <a:t>, </a:t>
+            </a:r>
+            <a:r>
+              <a:rPr lang="en-US" dirty="0"/>
+              <a:t>e-mail.html</a:t>
+            </a:r>
+            <a:r>
+              <a:rPr lang="ru-RU" dirty="0"/>
+              <a:t>, </a:t>
+            </a:r>
+            <a:r>
+              <a:rPr lang="en-US" dirty="0"/>
+              <a:t>password.html</a:t>
+            </a:r>
+            <a:r>
+              <a:rPr lang="ru-RU" dirty="0"/>
+              <a:t>, </a:t>
+            </a:r>
+            <a:r>
+              <a:rPr lang="en-US" dirty="0"/>
+              <a:t>registr.html</a:t>
+            </a:r>
+            <a:endParaRPr lang="ru-RU" dirty="0"/>
+          </a:p>
+        </p:txBody>
+      </p:sp>
+      <p:sp>
+        <p:nvSpPr>
+          <p:cNvPr id="2" name="Left Brace 1">
+            <a:extLst>
+              <a:ext uri="{FF2B5EF4-FFF2-40B4-BE49-F238E27FC236}">
+                <a16:creationId xmlns:a16="http://schemas.microsoft.com/office/drawing/2014/main" id="{F0DA2C2F-0F0B-FF19-A45D-10E25B32B676}"/>
+              </a:ext>
+            </a:extLst>
+          </p:cNvPr>
+          <p:cNvSpPr/>
+          <p:nvPr/>
+        </p:nvSpPr>
+        <p:spPr>
+          <a:xfrm>
+            <a:off x="6646962" y="1045218"/>
+            <a:ext cx="99815" cy="176834"/>
+          </a:xfrm>
+          <a:prstGeom prst="leftBrace">
+            <a:avLst/>
+          </a:prstGeom>
+          <a:ln w="12700"/>
+        </p:spPr>
+        <p:style>
+          <a:lnRef idx="1">
+            <a:schemeClr val="dk1"/>
+          </a:lnRef>
+          <a:fillRef idx="0">
+            <a:schemeClr val="dk1"/>
+          </a:fillRef>
+          <a:effectRef idx="0">
+            <a:schemeClr val="dk1"/>
+          </a:effectRef>
+          <a:fontRef idx="minor">
+            <a:schemeClr val="tx1"/>
+          </a:fontRef>
+        </p:style>
+        <p:txBody>
+          <a:bodyPr rtlCol="0" anchor="ctr"/>
+          <a:lstStyle/>
+          <a:p>
+            <a:pPr algn="ctr"/>
+            <a:endParaRPr lang="ru-RU"/>
+          </a:p>
+        </p:txBody>
+      </p:sp>
+      <p:sp>
+        <p:nvSpPr>
+          <p:cNvPr id="3" name="Callout: Line 2">
+            <a:extLst>
+              <a:ext uri="{FF2B5EF4-FFF2-40B4-BE49-F238E27FC236}">
+                <a16:creationId xmlns:a16="http://schemas.microsoft.com/office/drawing/2014/main" id="{E528533F-A8CA-8842-B3FB-BF5D559C7A5B}"/>
+              </a:ext>
+            </a:extLst>
+          </p:cNvPr>
+          <p:cNvSpPr/>
+          <p:nvPr/>
+        </p:nvSpPr>
+        <p:spPr>
+          <a:xfrm flipH="1">
+            <a:off x="259144" y="1294643"/>
+            <a:ext cx="2616197" cy="268521"/>
+          </a:xfrm>
+          <a:prstGeom prst="borderCallout1">
+            <a:avLst>
+              <a:gd name="adj1" fmla="val 17174"/>
+              <a:gd name="adj2" fmla="val -1115"/>
+              <a:gd name="adj3" fmla="val 99889"/>
+              <a:gd name="adj4" fmla="val -4066"/>
+            </a:avLst>
+          </a:prstGeom>
+        </p:spPr>
+        <p:style>
+          <a:lnRef idx="2">
+            <a:schemeClr val="accent1"/>
+          </a:lnRef>
+          <a:fillRef idx="1">
+            <a:schemeClr val="lt1"/>
+          </a:fillRef>
+          <a:effectRef idx="0">
+            <a:schemeClr val="accent1"/>
+          </a:effectRef>
+          <a:fontRef idx="minor">
+            <a:schemeClr val="dk1"/>
+          </a:fontRef>
+        </p:style>
+        <p:txBody>
+          <a:bodyPr rtlCol="0" anchor="ctr"/>
+          <a:lstStyle/>
+          <a:p>
+            <a:r>
+              <a:rPr lang="en-US" sz="1100" dirty="0"/>
+              <a:t>{% block </a:t>
+            </a:r>
+            <a:r>
+              <a:rPr lang="en-US" sz="1100" b="1" dirty="0" err="1"/>
+              <a:t>top_header</a:t>
+            </a:r>
+            <a:r>
+              <a:rPr lang="en-US" sz="1100" b="1" dirty="0"/>
+              <a:t> </a:t>
+            </a:r>
+            <a:r>
+              <a:rPr lang="ru-RU" sz="1100" b="1" dirty="0"/>
+              <a:t> </a:t>
+            </a:r>
+            <a:r>
+              <a:rPr lang="en-US" sz="1100" dirty="0"/>
+              <a:t>%}{% endblock %}</a:t>
+            </a:r>
+            <a:endParaRPr lang="ru-RU" sz="1100" dirty="0"/>
+          </a:p>
+        </p:txBody>
+      </p:sp>
+      <p:sp>
+        <p:nvSpPr>
+          <p:cNvPr id="4" name="Callout: Line 3">
+            <a:extLst>
+              <a:ext uri="{FF2B5EF4-FFF2-40B4-BE49-F238E27FC236}">
+                <a16:creationId xmlns:a16="http://schemas.microsoft.com/office/drawing/2014/main" id="{F0A34523-12AD-BAFA-C255-4BAF1B863E34}"/>
+              </a:ext>
+            </a:extLst>
+          </p:cNvPr>
+          <p:cNvSpPr/>
+          <p:nvPr/>
+        </p:nvSpPr>
+        <p:spPr>
+          <a:xfrm flipH="1">
+            <a:off x="6792170" y="996368"/>
+            <a:ext cx="3126839" cy="268521"/>
+          </a:xfrm>
+          <a:prstGeom prst="borderCallout1">
+            <a:avLst>
+              <a:gd name="adj1" fmla="val 17174"/>
+              <a:gd name="adj2" fmla="val -1115"/>
+              <a:gd name="adj3" fmla="val 76586"/>
+              <a:gd name="adj4" fmla="val -1220"/>
+            </a:avLst>
+          </a:prstGeom>
+        </p:spPr>
+        <p:style>
+          <a:lnRef idx="2">
+            <a:schemeClr val="accent1"/>
+          </a:lnRef>
+          <a:fillRef idx="1">
+            <a:schemeClr val="lt1"/>
+          </a:fillRef>
+          <a:effectRef idx="0">
+            <a:schemeClr val="accent1"/>
+          </a:effectRef>
+          <a:fontRef idx="minor">
+            <a:schemeClr val="dk1"/>
+          </a:fontRef>
+        </p:style>
+        <p:txBody>
+          <a:bodyPr rtlCol="0" anchor="ctr"/>
+          <a:lstStyle/>
+          <a:p>
+            <a:r>
+              <a:rPr lang="en-US" sz="1100" dirty="0"/>
+              <a:t>{% block </a:t>
+            </a:r>
+            <a:r>
+              <a:rPr lang="en-US" sz="1100" b="1" dirty="0" err="1"/>
+              <a:t>additional_link_script</a:t>
+            </a:r>
+            <a:r>
+              <a:rPr lang="en-US" sz="1100" dirty="0"/>
+              <a:t>%}{% endblock %}</a:t>
+            </a:r>
+            <a:endParaRPr lang="ru-RU" sz="1100" dirty="0"/>
+          </a:p>
+        </p:txBody>
+      </p:sp>
+      <p:sp>
+        <p:nvSpPr>
           <p:cNvPr id="32" name="Oval 31">
             <a:extLst>
               <a:ext uri="{FF2B5EF4-FFF2-40B4-BE49-F238E27FC236}">
@@ -5194,10 +5720,10 @@
       </p:sp>
       <p:sp>
         <p:nvSpPr>
-          <p:cNvPr id="33" name="Oval 32">
-            <a:extLst>
-              <a:ext uri="{FF2B5EF4-FFF2-40B4-BE49-F238E27FC236}">
-                <a16:creationId xmlns:a16="http://schemas.microsoft.com/office/drawing/2014/main" id="{2149D336-71BB-181C-0B5E-2597071E1A3E}"/>
+          <p:cNvPr id="16" name="Oval 15">
+            <a:extLst>
+              <a:ext uri="{FF2B5EF4-FFF2-40B4-BE49-F238E27FC236}">
+                <a16:creationId xmlns:a16="http://schemas.microsoft.com/office/drawing/2014/main" id="{195AD145-DF1C-03BE-FE1F-0232154AC74A}"/>
               </a:ext>
             </a:extLst>
           </p:cNvPr>
@@ -5206,7 +5732,7 @@
         </p:nvSpPr>
         <p:spPr>
           <a:xfrm>
-            <a:off x="65173" y="1691995"/>
+            <a:off x="3585317" y="955871"/>
             <a:ext cx="260626" cy="268521"/>
           </a:xfrm>
           <a:prstGeom prst="ellipse">
@@ -5233,286 +5759,8 @@
           <a:p>
             <a:pPr algn="ctr"/>
             <a:r>
-              <a:rPr lang="ru-RU" dirty="0"/>
-              <a:t>4</a:t>
-            </a:r>
-          </a:p>
-        </p:txBody>
-      </p:sp>
-      <p:sp>
-        <p:nvSpPr>
-          <p:cNvPr id="34" name="Oval 33">
-            <a:extLst>
-              <a:ext uri="{FF2B5EF4-FFF2-40B4-BE49-F238E27FC236}">
-                <a16:creationId xmlns:a16="http://schemas.microsoft.com/office/drawing/2014/main" id="{D9B2742B-AE12-F84C-172D-F14A96958F7A}"/>
-              </a:ext>
-            </a:extLst>
-          </p:cNvPr>
-          <p:cNvSpPr/>
-          <p:nvPr/>
-        </p:nvSpPr>
-        <p:spPr>
-          <a:xfrm>
-            <a:off x="65173" y="2074782"/>
-            <a:ext cx="260626" cy="268521"/>
-          </a:xfrm>
-          <a:prstGeom prst="ellipse">
-            <a:avLst/>
-          </a:prstGeom>
-        </p:spPr>
-        <p:style>
-          <a:lnRef idx="2">
-            <a:schemeClr val="accent1"/>
-          </a:lnRef>
-          <a:fillRef idx="1">
-            <a:schemeClr val="lt1"/>
-          </a:fillRef>
-          <a:effectRef idx="0">
-            <a:schemeClr val="accent1"/>
-          </a:effectRef>
-          <a:fontRef idx="minor">
-            <a:schemeClr val="dk1"/>
-          </a:fontRef>
-        </p:style>
-        <p:txBody>
-          <a:bodyPr rtlCol="0" anchor="ctr"/>
-          <a:lstStyle/>
-          <a:p>
-            <a:pPr algn="ctr"/>
-            <a:r>
-              <a:rPr lang="ru-RU" dirty="0"/>
-              <a:t>5</a:t>
-            </a:r>
-          </a:p>
-        </p:txBody>
-      </p:sp>
-      <p:sp>
-        <p:nvSpPr>
-          <p:cNvPr id="35" name="Oval 34">
-            <a:extLst>
-              <a:ext uri="{FF2B5EF4-FFF2-40B4-BE49-F238E27FC236}">
-                <a16:creationId xmlns:a16="http://schemas.microsoft.com/office/drawing/2014/main" id="{D27A4210-3B74-27BB-EB33-473E834298C1}"/>
-              </a:ext>
-            </a:extLst>
-          </p:cNvPr>
-          <p:cNvSpPr/>
-          <p:nvPr/>
-        </p:nvSpPr>
-        <p:spPr>
-          <a:xfrm>
-            <a:off x="5323760" y="1663137"/>
-            <a:ext cx="260626" cy="268521"/>
-          </a:xfrm>
-          <a:prstGeom prst="ellipse">
-            <a:avLst/>
-          </a:prstGeom>
-        </p:spPr>
-        <p:style>
-          <a:lnRef idx="2">
-            <a:schemeClr val="accent1"/>
-          </a:lnRef>
-          <a:fillRef idx="1">
-            <a:schemeClr val="lt1"/>
-          </a:fillRef>
-          <a:effectRef idx="0">
-            <a:schemeClr val="accent1"/>
-          </a:effectRef>
-          <a:fontRef idx="minor">
-            <a:schemeClr val="dk1"/>
-          </a:fontRef>
-        </p:style>
-        <p:txBody>
-          <a:bodyPr rtlCol="0" anchor="ctr"/>
-          <a:lstStyle/>
-          <a:p>
-            <a:pPr algn="ctr"/>
-            <a:r>
-              <a:rPr lang="ru-RU" dirty="0"/>
+              <a:rPr lang="en-US" dirty="0"/>
               <a:t>3</a:t>
-            </a:r>
-          </a:p>
-        </p:txBody>
-      </p:sp>
-      <p:sp>
-        <p:nvSpPr>
-          <p:cNvPr id="36" name="Oval 35">
-            <a:extLst>
-              <a:ext uri="{FF2B5EF4-FFF2-40B4-BE49-F238E27FC236}">
-                <a16:creationId xmlns:a16="http://schemas.microsoft.com/office/drawing/2014/main" id="{B8EA831C-7380-5579-EFD1-C737E5FBE5FC}"/>
-              </a:ext>
-            </a:extLst>
-          </p:cNvPr>
-          <p:cNvSpPr/>
-          <p:nvPr/>
-        </p:nvSpPr>
-        <p:spPr>
-          <a:xfrm>
-            <a:off x="68109" y="3603197"/>
-            <a:ext cx="260626" cy="268521"/>
-          </a:xfrm>
-          <a:prstGeom prst="ellipse">
-            <a:avLst/>
-          </a:prstGeom>
-        </p:spPr>
-        <p:style>
-          <a:lnRef idx="2">
-            <a:schemeClr val="accent1"/>
-          </a:lnRef>
-          <a:fillRef idx="1">
-            <a:schemeClr val="lt1"/>
-          </a:fillRef>
-          <a:effectRef idx="0">
-            <a:schemeClr val="accent1"/>
-          </a:effectRef>
-          <a:fontRef idx="minor">
-            <a:schemeClr val="dk1"/>
-          </a:fontRef>
-        </p:style>
-        <p:txBody>
-          <a:bodyPr rtlCol="0" anchor="ctr"/>
-          <a:lstStyle/>
-          <a:p>
-            <a:pPr algn="ctr"/>
-            <a:r>
-              <a:rPr lang="ru-RU" dirty="0"/>
-              <a:t>6</a:t>
-            </a:r>
-          </a:p>
-        </p:txBody>
-      </p:sp>
-      <p:sp>
-        <p:nvSpPr>
-          <p:cNvPr id="37" name="Oval 36">
-            <a:extLst>
-              <a:ext uri="{FF2B5EF4-FFF2-40B4-BE49-F238E27FC236}">
-                <a16:creationId xmlns:a16="http://schemas.microsoft.com/office/drawing/2014/main" id="{99824D71-A7DB-A5CC-6743-23B1930D0B98}"/>
-              </a:ext>
-            </a:extLst>
-          </p:cNvPr>
-          <p:cNvSpPr/>
-          <p:nvPr/>
-        </p:nvSpPr>
-        <p:spPr>
-          <a:xfrm>
-            <a:off x="65173" y="5453163"/>
-            <a:ext cx="260626" cy="268521"/>
-          </a:xfrm>
-          <a:prstGeom prst="ellipse">
-            <a:avLst/>
-          </a:prstGeom>
-        </p:spPr>
-        <p:style>
-          <a:lnRef idx="2">
-            <a:schemeClr val="accent1"/>
-          </a:lnRef>
-          <a:fillRef idx="1">
-            <a:schemeClr val="lt1"/>
-          </a:fillRef>
-          <a:effectRef idx="0">
-            <a:schemeClr val="accent1"/>
-          </a:effectRef>
-          <a:fontRef idx="minor">
-            <a:schemeClr val="dk1"/>
-          </a:fontRef>
-        </p:style>
-        <p:txBody>
-          <a:bodyPr rtlCol="0" anchor="ctr"/>
-          <a:lstStyle/>
-          <a:p>
-            <a:pPr algn="ctr"/>
-            <a:r>
-              <a:rPr lang="ru-RU" dirty="0"/>
-              <a:t>7</a:t>
-            </a:r>
-          </a:p>
-        </p:txBody>
-      </p:sp>
-      <p:sp>
-        <p:nvSpPr>
-          <p:cNvPr id="38" name="Rectangle: Rounded Corners 37">
-            <a:extLst>
-              <a:ext uri="{FF2B5EF4-FFF2-40B4-BE49-F238E27FC236}">
-                <a16:creationId xmlns:a16="http://schemas.microsoft.com/office/drawing/2014/main" id="{449B5164-B188-8164-8A9C-88AAF720435C}"/>
-              </a:ext>
-            </a:extLst>
-          </p:cNvPr>
-          <p:cNvSpPr/>
-          <p:nvPr/>
-        </p:nvSpPr>
-        <p:spPr>
-          <a:xfrm>
-            <a:off x="93132" y="6252822"/>
-            <a:ext cx="12042760" cy="538624"/>
-          </a:xfrm>
-          <a:prstGeom prst="roundRect">
-            <a:avLst/>
-          </a:prstGeom>
-        </p:spPr>
-        <p:style>
-          <a:lnRef idx="1">
-            <a:schemeClr val="accent1"/>
-          </a:lnRef>
-          <a:fillRef idx="2">
-            <a:schemeClr val="accent1"/>
-          </a:fillRef>
-          <a:effectRef idx="1">
-            <a:schemeClr val="accent1"/>
-          </a:effectRef>
-          <a:fontRef idx="minor">
-            <a:schemeClr val="dk1"/>
-          </a:fontRef>
-        </p:style>
-        <p:txBody>
-          <a:bodyPr rtlCol="0" anchor="ctr"/>
-          <a:lstStyle/>
-          <a:p>
-            <a:pPr algn="ctr"/>
-            <a:r>
-              <a:rPr lang="ru-RU" dirty="0"/>
-              <a:t>Объявление в темплейте блока означает затирание (перезапись) его в базовом (родительском) шаблоне. </a:t>
-            </a:r>
-          </a:p>
-          <a:p>
-            <a:pPr algn="ctr"/>
-            <a:r>
-              <a:rPr lang="ru-RU" dirty="0"/>
-              <a:t>Пример объявления блока </a:t>
-            </a:r>
-            <a:r>
-              <a:rPr lang="en-US" sz="1800" b="1" dirty="0"/>
-              <a:t>main_header </a:t>
-            </a:r>
-            <a:r>
-              <a:rPr lang="ru-RU" dirty="0"/>
-              <a:t>для страниц: </a:t>
-            </a:r>
-            <a:r>
-              <a:rPr lang="en-US" dirty="0"/>
-              <a:t>login.html</a:t>
-            </a:r>
-            <a:r>
-              <a:rPr lang="ru-RU" dirty="0"/>
-              <a:t>, </a:t>
-            </a:r>
-            <a:r>
-              <a:rPr lang="en-US" dirty="0"/>
-              <a:t>e-mail.html</a:t>
-            </a:r>
-            <a:r>
-              <a:rPr lang="ru-RU" dirty="0"/>
-              <a:t>, </a:t>
-            </a:r>
-            <a:r>
-              <a:rPr lang="en-US" dirty="0"/>
-              <a:t>password.html</a:t>
-            </a:r>
-            <a:r>
-              <a:rPr lang="ru-RU" dirty="0"/>
-              <a:t>, </a:t>
-            </a:r>
-            <a:r>
-              <a:rPr lang="en-US" dirty="0"/>
-              <a:t>registr.html</a:t>
             </a:r>
             <a:endParaRPr lang="ru-RU" dirty="0"/>
           </a:p>
